--- a/Project3/CR - REPONSES.pptx
+++ b/Project3/CR - REPONSES.pptx
@@ -6,18 +6,19 @@
   </p:sldMasterIdLst>
   <p:sldIdLst>
     <p:sldId id="256" r:id="rId2"/>
-    <p:sldId id="268" r:id="rId3"/>
-    <p:sldId id="257" r:id="rId4"/>
-    <p:sldId id="258" r:id="rId5"/>
-    <p:sldId id="259" r:id="rId6"/>
-    <p:sldId id="260" r:id="rId7"/>
-    <p:sldId id="261" r:id="rId8"/>
-    <p:sldId id="262" r:id="rId9"/>
-    <p:sldId id="263" r:id="rId10"/>
-    <p:sldId id="264" r:id="rId11"/>
-    <p:sldId id="265" r:id="rId12"/>
-    <p:sldId id="266" r:id="rId13"/>
-    <p:sldId id="267" r:id="rId14"/>
+    <p:sldId id="270" r:id="rId3"/>
+    <p:sldId id="268" r:id="rId4"/>
+    <p:sldId id="269" r:id="rId5"/>
+    <p:sldId id="258" r:id="rId6"/>
+    <p:sldId id="259" r:id="rId7"/>
+    <p:sldId id="260" r:id="rId8"/>
+    <p:sldId id="261" r:id="rId9"/>
+    <p:sldId id="262" r:id="rId10"/>
+    <p:sldId id="263" r:id="rId11"/>
+    <p:sldId id="264" r:id="rId12"/>
+    <p:sldId id="265" r:id="rId13"/>
+    <p:sldId id="266" r:id="rId14"/>
+    <p:sldId id="267" r:id="rId15"/>
   </p:sldIdLst>
   <p:sldSz cx="12192000" cy="6858000"/>
   <p:notesSz cx="6858000" cy="9144000"/>
@@ -3486,7 +3487,7 @@
           <p:cNvPr id="3" name="Picture 2">
             <a:extLst>
               <a:ext uri="{FF2B5EF4-FFF2-40B4-BE49-F238E27FC236}">
-                <a16:creationId xmlns:a16="http://schemas.microsoft.com/office/drawing/2014/main" id="{7B235345-9D0A-44C0-938D-C0FCD2A5FA55}"/>
+                <a16:creationId xmlns:a16="http://schemas.microsoft.com/office/drawing/2014/main" id="{38675E6C-022C-4D52-8611-642A55958CE7}"/>
               </a:ext>
             </a:extLst>
           </p:cNvPr>
@@ -3509,8 +3510,8 @@
         </p:blipFill>
         <p:spPr>
           <a:xfrm>
-            <a:off x="97655" y="223298"/>
-            <a:ext cx="11836438" cy="6411404"/>
+            <a:off x="120417" y="192226"/>
+            <a:ext cx="11951166" cy="6473548"/>
           </a:xfrm>
           <a:prstGeom prst="rect">
             <a:avLst/>
@@ -3520,7 +3521,7 @@
     </p:spTree>
     <p:extLst>
       <p:ext uri="{BB962C8B-B14F-4D97-AF65-F5344CB8AC3E}">
-        <p14:creationId xmlns:p14="http://schemas.microsoft.com/office/powerpoint/2010/main" val="1407686653"/>
+        <p14:creationId xmlns:p14="http://schemas.microsoft.com/office/powerpoint/2010/main" val="3578449470"/>
       </p:ext>
     </p:extLst>
   </p:cSld>
@@ -3552,7 +3553,7 @@
           <p:cNvPr id="3" name="Picture 2">
             <a:extLst>
               <a:ext uri="{FF2B5EF4-FFF2-40B4-BE49-F238E27FC236}">
-                <a16:creationId xmlns:a16="http://schemas.microsoft.com/office/drawing/2014/main" id="{4ADB9F5A-E2E3-4D6F-8EA3-551813D22B82}"/>
+                <a16:creationId xmlns:a16="http://schemas.microsoft.com/office/drawing/2014/main" id="{7B235345-9D0A-44C0-938D-C0FCD2A5FA55}"/>
               </a:ext>
             </a:extLst>
           </p:cNvPr>
@@ -3575,8 +3576,8 @@
         </p:blipFill>
         <p:spPr>
           <a:xfrm>
-            <a:off x="71248" y="165593"/>
-            <a:ext cx="12049503" cy="6526814"/>
+            <a:off x="97655" y="223298"/>
+            <a:ext cx="11836438" cy="6411404"/>
           </a:xfrm>
           <a:prstGeom prst="rect">
             <a:avLst/>
@@ -3586,7 +3587,7 @@
     </p:spTree>
     <p:extLst>
       <p:ext uri="{BB962C8B-B14F-4D97-AF65-F5344CB8AC3E}">
-        <p14:creationId xmlns:p14="http://schemas.microsoft.com/office/powerpoint/2010/main" val="643190196"/>
+        <p14:creationId xmlns:p14="http://schemas.microsoft.com/office/powerpoint/2010/main" val="1407686653"/>
       </p:ext>
     </p:extLst>
   </p:cSld>
@@ -3618,6 +3619,72 @@
           <p:cNvPr id="3" name="Picture 2">
             <a:extLst>
               <a:ext uri="{FF2B5EF4-FFF2-40B4-BE49-F238E27FC236}">
+                <a16:creationId xmlns:a16="http://schemas.microsoft.com/office/drawing/2014/main" id="{4ADB9F5A-E2E3-4D6F-8EA3-551813D22B82}"/>
+              </a:ext>
+            </a:extLst>
+          </p:cNvPr>
+          <p:cNvPicPr>
+            <a:picLocks noChangeAspect="1"/>
+          </p:cNvPicPr>
+          <p:nvPr/>
+        </p:nvPicPr>
+        <p:blipFill>
+          <a:blip r:embed="rId2">
+            <a:extLst>
+              <a:ext uri="{28A0092B-C50C-407E-A947-70E740481C1C}">
+                <a14:useLocalDpi xmlns:a14="http://schemas.microsoft.com/office/drawing/2010/main" val="0"/>
+              </a:ext>
+            </a:extLst>
+          </a:blip>
+          <a:stretch>
+            <a:fillRect/>
+          </a:stretch>
+        </p:blipFill>
+        <p:spPr>
+          <a:xfrm>
+            <a:off x="71248" y="165593"/>
+            <a:ext cx="12049503" cy="6526814"/>
+          </a:xfrm>
+          <a:prstGeom prst="rect">
+            <a:avLst/>
+          </a:prstGeom>
+        </p:spPr>
+      </p:pic>
+    </p:spTree>
+    <p:extLst>
+      <p:ext uri="{BB962C8B-B14F-4D97-AF65-F5344CB8AC3E}">
+        <p14:creationId xmlns:p14="http://schemas.microsoft.com/office/powerpoint/2010/main" val="643190196"/>
+      </p:ext>
+    </p:extLst>
+  </p:cSld>
+  <p:clrMapOvr>
+    <a:masterClrMapping/>
+  </p:clrMapOvr>
+</p:sld>
+</file>
+
+<file path=ppt/slides/slide13.xml><?xml version="1.0" encoding="utf-8"?>
+<p:sld xmlns:a="http://schemas.openxmlformats.org/drawingml/2006/main" xmlns:r="http://schemas.openxmlformats.org/officeDocument/2006/relationships" xmlns:p="http://schemas.openxmlformats.org/presentationml/2006/main">
+  <p:cSld>
+    <p:spTree>
+      <p:nvGrpSpPr>
+        <p:cNvPr id="1" name=""/>
+        <p:cNvGrpSpPr/>
+        <p:nvPr/>
+      </p:nvGrpSpPr>
+      <p:grpSpPr>
+        <a:xfrm>
+          <a:off x="0" y="0"/>
+          <a:ext cx="0" cy="0"/>
+          <a:chOff x="0" y="0"/>
+          <a:chExt cx="0" cy="0"/>
+        </a:xfrm>
+      </p:grpSpPr>
+      <p:pic>
+        <p:nvPicPr>
+          <p:cNvPr id="3" name="Picture 2">
+            <a:extLst>
+              <a:ext uri="{FF2B5EF4-FFF2-40B4-BE49-F238E27FC236}">
                 <a16:creationId xmlns:a16="http://schemas.microsoft.com/office/drawing/2014/main" id="{1D563805-85B5-4AC0-9BEB-27332636DDC3}"/>
               </a:ext>
             </a:extLst>
@@ -3662,7 +3729,7 @@
 </p:sld>
 </file>
 
-<file path=ppt/slides/slide13.xml><?xml version="1.0" encoding="utf-8"?>
+<file path=ppt/slides/slide14.xml><?xml version="1.0" encoding="utf-8"?>
 <p:sld xmlns:a="http://schemas.openxmlformats.org/drawingml/2006/main" xmlns:r="http://schemas.openxmlformats.org/officeDocument/2006/relationships" xmlns:p="http://schemas.openxmlformats.org/presentationml/2006/main">
   <p:cSld>
     <p:spTree>
@@ -3750,7 +3817,7 @@
           <p:cNvPr id="2" name="Title 1">
             <a:extLst>
               <a:ext uri="{FF2B5EF4-FFF2-40B4-BE49-F238E27FC236}">
-                <a16:creationId xmlns:a16="http://schemas.microsoft.com/office/drawing/2014/main" id="{1CCE6391-758D-4D0D-9CCD-4D4E19EA668D}"/>
+                <a16:creationId xmlns:a16="http://schemas.microsoft.com/office/drawing/2014/main" id="{C4AAD98A-DA62-4489-A83D-AB74D9BE7D06}"/>
               </a:ext>
             </a:extLst>
           </p:cNvPr>
@@ -3763,8 +3830,8 @@
         </p:nvSpPr>
         <p:spPr>
           <a:xfrm>
-            <a:off x="3622089" y="88776"/>
-            <a:ext cx="3799644" cy="1171852"/>
+            <a:off x="3320249" y="75390"/>
+            <a:ext cx="3639104" cy="1211294"/>
           </a:xfrm>
         </p:spPr>
         <p:txBody>
@@ -3775,8 +3842,13 @@
           <a:p>
             <a:r>
               <a:rPr lang="en-US" dirty="0"/>
-              <a:t>			Reponses : </a:t>
-            </a:r>
+              <a:t>				</a:t>
+            </a:r>
+            <a:r>
+              <a:rPr lang="en-US" dirty="0" err="1"/>
+              <a:t>Requetes</a:t>
+            </a:r>
+            <a:endParaRPr lang="en-US" dirty="0"/>
           </a:p>
         </p:txBody>
       </p:sp>
@@ -3785,7 +3857,7 @@
           <p:cNvPr id="3" name="Content Placeholder 2">
             <a:extLst>
               <a:ext uri="{FF2B5EF4-FFF2-40B4-BE49-F238E27FC236}">
-                <a16:creationId xmlns:a16="http://schemas.microsoft.com/office/drawing/2014/main" id="{D1503D22-AFD3-474A-9260-A2924EA3ED31}"/>
+                <a16:creationId xmlns:a16="http://schemas.microsoft.com/office/drawing/2014/main" id="{DF52C0D7-8F5C-43C4-8E22-1429CD43B38D}"/>
               </a:ext>
             </a:extLst>
           </p:cNvPr>
@@ -3798,186 +3870,146 @@
         </p:nvSpPr>
         <p:spPr>
           <a:xfrm>
-            <a:off x="577049" y="1429305"/>
-            <a:ext cx="10776751" cy="5063570"/>
+            <a:off x="838200" y="1376039"/>
+            <a:ext cx="10515600" cy="4800924"/>
           </a:xfrm>
         </p:spPr>
         <p:txBody>
           <a:bodyPr>
-            <a:noAutofit/>
+            <a:normAutofit fontScale="92500" lnSpcReduction="10000"/>
           </a:bodyPr>
           <a:lstStyle/>
           <a:p>
-            <a:r>
-              <a:rPr lang="en-US" sz="2000" b="1" dirty="0">
-                <a:latin typeface="Arial" panose="020B0604020202020204" pitchFamily="34" charset="0"/>
-                <a:cs typeface="Arial" panose="020B0604020202020204" pitchFamily="34" charset="0"/>
-              </a:rPr>
-              <a:t>1 : </a:t>
-            </a:r>
-            <a:r>
-              <a:rPr lang="fr-FR" sz="2000" b="1" i="0" u="none" strike="noStrike" baseline="0" dirty="0">
-                <a:latin typeface="Arial" panose="020B0604020202020204" pitchFamily="34" charset="0"/>
-                <a:cs typeface="Arial" panose="020B0604020202020204" pitchFamily="34" charset="0"/>
-              </a:rPr>
-              <a:t>34151 appartements vendus au 1er semestre 2020</a:t>
-            </a:r>
-            <a:r>
-              <a:rPr lang="en-US" sz="2000" b="1" dirty="0">
-                <a:latin typeface="Arial" panose="020B0604020202020204" pitchFamily="34" charset="0"/>
-                <a:cs typeface="Arial" panose="020B0604020202020204" pitchFamily="34" charset="0"/>
-              </a:rPr>
-              <a:t> -  Slide 3</a:t>
-            </a:r>
-          </a:p>
-          <a:p>
-            <a:r>
-              <a:rPr lang="en-US" sz="2000" b="1" dirty="0">
-                <a:latin typeface="Arial" panose="020B0604020202020204" pitchFamily="34" charset="0"/>
-                <a:cs typeface="Arial" panose="020B0604020202020204" pitchFamily="34" charset="0"/>
-              </a:rPr>
-              <a:t>2 : Slide 4</a:t>
-            </a:r>
-          </a:p>
-          <a:p>
-            <a:r>
-              <a:rPr lang="en-US" sz="2000" b="1" dirty="0">
-                <a:latin typeface="Arial" panose="020B0604020202020204" pitchFamily="34" charset="0"/>
-                <a:cs typeface="Arial" panose="020B0604020202020204" pitchFamily="34" charset="0"/>
-              </a:rPr>
-              <a:t>3 : Slide 5</a:t>
-            </a:r>
-          </a:p>
-          <a:p>
-            <a:r>
-              <a:rPr lang="en-US" sz="2000" b="1" dirty="0">
-                <a:latin typeface="Arial" panose="020B0604020202020204" pitchFamily="34" charset="0"/>
-                <a:cs typeface="Arial" panose="020B0604020202020204" pitchFamily="34" charset="0"/>
-              </a:rPr>
-              <a:t>4 : </a:t>
-            </a:r>
-            <a:r>
-              <a:rPr lang="fr-FR" sz="2000" b="1" i="0" u="none" strike="noStrike" baseline="0" dirty="0">
-                <a:latin typeface="Arial" panose="020B0604020202020204" pitchFamily="34" charset="0"/>
-                <a:cs typeface="Arial" panose="020B0604020202020204" pitchFamily="34" charset="0"/>
-              </a:rPr>
-              <a:t>Prix moyen du mètre carré d’une maison en Île-de-France : 3904.07 Euros - </a:t>
-            </a:r>
-            <a:r>
-              <a:rPr lang="en-US" sz="2000" b="1" dirty="0">
-                <a:latin typeface="Arial" panose="020B0604020202020204" pitchFamily="34" charset="0"/>
-                <a:cs typeface="Arial" panose="020B0604020202020204" pitchFamily="34" charset="0"/>
-              </a:rPr>
-              <a:t>Slide 6</a:t>
-            </a:r>
-          </a:p>
-          <a:p>
-            <a:r>
-              <a:rPr lang="en-US" sz="2000" b="1" dirty="0">
-                <a:latin typeface="Arial" panose="020B0604020202020204" pitchFamily="34" charset="0"/>
-                <a:cs typeface="Arial" panose="020B0604020202020204" pitchFamily="34" charset="0"/>
-              </a:rPr>
-              <a:t>5 : Slide 7</a:t>
-            </a:r>
-          </a:p>
-          <a:p>
             <a:pPr algn="l"/>
             <a:r>
-              <a:rPr lang="en-US" sz="2000" b="1" dirty="0">
-                <a:latin typeface="Arial" panose="020B0604020202020204" pitchFamily="34" charset="0"/>
-                <a:cs typeface="Arial" panose="020B0604020202020204" pitchFamily="34" charset="0"/>
-              </a:rPr>
-              <a:t>6 : </a:t>
-            </a:r>
-            <a:r>
-              <a:rPr lang="fr-FR" sz="2000" b="1" i="0" u="none" strike="noStrike" baseline="0" dirty="0">
-                <a:latin typeface="Arial" panose="020B0604020202020204" pitchFamily="34" charset="0"/>
-                <a:cs typeface="Arial" panose="020B0604020202020204" pitchFamily="34" charset="0"/>
-              </a:rPr>
-              <a:t>Taux d’évolution du nombre de ventes entre le 1er et le 2</a:t>
-            </a:r>
-            <a:r>
-              <a:rPr lang="fr-FR" sz="2000" b="1" i="0" u="none" strike="noStrike" baseline="30000" dirty="0">
-                <a:latin typeface="Arial" panose="020B0604020202020204" pitchFamily="34" charset="0"/>
-                <a:cs typeface="Arial" panose="020B0604020202020204" pitchFamily="34" charset="0"/>
-              </a:rPr>
-              <a:t>nd</a:t>
-            </a:r>
-            <a:r>
-              <a:rPr lang="fr-FR" sz="2000" b="1" i="0" u="none" strike="noStrike" baseline="0" dirty="0">
-                <a:latin typeface="Arial" panose="020B0604020202020204" pitchFamily="34" charset="0"/>
-                <a:cs typeface="Arial" panose="020B0604020202020204" pitchFamily="34" charset="0"/>
+              <a:rPr lang="fr-FR" sz="1800" b="0" i="0" u="none" strike="noStrike" baseline="0" dirty="0">
+                <a:latin typeface="Montserrat-Regular" panose="02000505000000020004" pitchFamily="2" charset="0"/>
+              </a:rPr>
+              <a:t>1. Nombre total d’appartements vendus au 1er semestre 2020.</a:t>
+            </a:r>
+          </a:p>
+          <a:p>
+            <a:pPr algn="l"/>
+            <a:r>
+              <a:rPr lang="fr-FR" sz="1800" b="0" i="0" u="none" strike="noStrike" baseline="0" dirty="0">
+                <a:latin typeface="Montserrat-Regular" panose="02000505000000020004" pitchFamily="2" charset="0"/>
+              </a:rPr>
+              <a:t>2. Proportion des ventes d’appartements par le nombre de pièces.</a:t>
+            </a:r>
+          </a:p>
+          <a:p>
+            <a:pPr algn="l"/>
+            <a:r>
+              <a:rPr lang="fr-FR" sz="1800" b="0" i="0" u="none" strike="noStrike" baseline="0" dirty="0">
+                <a:latin typeface="Montserrat-Regular" panose="02000505000000020004" pitchFamily="2" charset="0"/>
+              </a:rPr>
+              <a:t>3. Liste des 10 départements où le prix du mètre carré est le plus élevé.</a:t>
+            </a:r>
+          </a:p>
+          <a:p>
+            <a:pPr algn="l"/>
+            <a:r>
+              <a:rPr lang="fr-FR" sz="1800" b="0" i="0" u="none" strike="noStrike" baseline="0" dirty="0">
+                <a:latin typeface="Montserrat-Regular" panose="02000505000000020004" pitchFamily="2" charset="0"/>
+              </a:rPr>
+              <a:t>4. Prix moyen du mètre carré d’une maison en Île-de-France.</a:t>
+            </a:r>
+          </a:p>
+          <a:p>
+            <a:pPr algn="l"/>
+            <a:r>
+              <a:rPr lang="fr-FR" sz="1800" b="0" i="0" u="none" strike="noStrike" baseline="0" dirty="0">
+                <a:latin typeface="Montserrat-Regular" panose="02000505000000020004" pitchFamily="2" charset="0"/>
+              </a:rPr>
+              <a:t>5. Liste des 10 appartements les plus chers avec le département et le</a:t>
+            </a:r>
+          </a:p>
+          <a:p>
+            <a:pPr marL="0" indent="0" algn="l">
+              <a:buNone/>
+            </a:pPr>
+            <a:r>
+              <a:rPr lang="en-US" sz="1800" b="0" i="0" u="none" strike="noStrike" baseline="0" dirty="0">
+                <a:latin typeface="Montserrat-Regular" panose="02000505000000020004" pitchFamily="2" charset="0"/>
+              </a:rPr>
+              <a:t>        </a:t>
+            </a:r>
+            <a:r>
+              <a:rPr lang="en-US" sz="1800" b="0" i="0" u="none" strike="noStrike" baseline="0" dirty="0" err="1">
+                <a:latin typeface="Montserrat-Regular" panose="02000505000000020004" pitchFamily="2" charset="0"/>
+              </a:rPr>
+              <a:t>nombre</a:t>
+            </a:r>
+            <a:r>
+              <a:rPr lang="en-US" sz="1800" b="0" i="0" u="none" strike="noStrike" baseline="0" dirty="0">
+                <a:latin typeface="Montserrat-Regular" panose="02000505000000020004" pitchFamily="2" charset="0"/>
+              </a:rPr>
+              <a:t> de </a:t>
+            </a:r>
+            <a:r>
+              <a:rPr lang="en-US" sz="1800" b="0" i="0" u="none" strike="noStrike" baseline="0" dirty="0" err="1">
+                <a:latin typeface="Montserrat-Regular" panose="02000505000000020004" pitchFamily="2" charset="0"/>
+              </a:rPr>
+              <a:t>mètres</a:t>
+            </a:r>
+            <a:r>
+              <a:rPr lang="en-US" sz="1800" b="0" i="0" u="none" strike="noStrike" baseline="0" dirty="0">
+                <a:latin typeface="Montserrat-Regular" panose="02000505000000020004" pitchFamily="2" charset="0"/>
               </a:rPr>
               <a:t> </a:t>
             </a:r>
             <a:r>
-              <a:rPr lang="en-US" sz="2000" b="1" i="0" u="none" strike="noStrike" baseline="0" dirty="0" err="1">
-                <a:latin typeface="Arial" panose="020B0604020202020204" pitchFamily="34" charset="0"/>
-                <a:cs typeface="Arial" panose="020B0604020202020204" pitchFamily="34" charset="0"/>
+              <a:rPr lang="en-US" sz="1800" b="0" i="0" u="none" strike="noStrike" baseline="0" dirty="0" err="1">
+                <a:latin typeface="Montserrat-Regular" panose="02000505000000020004" pitchFamily="2" charset="0"/>
+              </a:rPr>
+              <a:t>carrés</a:t>
+            </a:r>
+            <a:r>
+              <a:rPr lang="en-US" sz="1800" b="0" i="0" u="none" strike="noStrike" baseline="0" dirty="0">
+                <a:latin typeface="Montserrat-Regular" panose="02000505000000020004" pitchFamily="2" charset="0"/>
+              </a:rPr>
+              <a:t>.</a:t>
+            </a:r>
+          </a:p>
+          <a:p>
+            <a:pPr algn="l"/>
+            <a:r>
+              <a:rPr lang="fr-FR" sz="1800" b="0" i="0" u="none" strike="noStrike" baseline="0" dirty="0">
+                <a:latin typeface="Montserrat-Regular" panose="02000505000000020004" pitchFamily="2" charset="0"/>
+              </a:rPr>
+              <a:t>6. Taux d’évolution du nombre de ventes entre le premier et le second</a:t>
+            </a:r>
+          </a:p>
+          <a:p>
+            <a:pPr marL="0" indent="0" algn="l">
+              <a:buNone/>
+            </a:pPr>
+            <a:r>
+              <a:rPr lang="en-US" sz="1800" b="0" i="0" u="none" strike="noStrike" baseline="0" dirty="0">
+                <a:latin typeface="Montserrat-Regular" panose="02000505000000020004" pitchFamily="2" charset="0"/>
+              </a:rPr>
+              <a:t>        </a:t>
+            </a:r>
+            <a:r>
+              <a:rPr lang="en-US" sz="1800" b="0" i="0" u="none" strike="noStrike" baseline="0" dirty="0" err="1">
+                <a:latin typeface="Montserrat-Regular" panose="02000505000000020004" pitchFamily="2" charset="0"/>
               </a:rPr>
               <a:t>trimestre</a:t>
             </a:r>
             <a:r>
-              <a:rPr lang="en-US" sz="2000" b="1" i="0" u="none" strike="noStrike" baseline="0" dirty="0">
-                <a:latin typeface="Arial" panose="020B0604020202020204" pitchFamily="34" charset="0"/>
-                <a:cs typeface="Arial" panose="020B0604020202020204" pitchFamily="34" charset="0"/>
-              </a:rPr>
-              <a:t> de 2020 : 	+3,655% </a:t>
-            </a:r>
-            <a:r>
-              <a:rPr lang="en-US" sz="2000" b="1" dirty="0">
-                <a:latin typeface="Arial" panose="020B0604020202020204" pitchFamily="34" charset="0"/>
-                <a:cs typeface="Arial" panose="020B0604020202020204" pitchFamily="34" charset="0"/>
-              </a:rPr>
-              <a:t>   </a:t>
-            </a:r>
-            <a:r>
-              <a:rPr lang="en-US" sz="2000" b="1" i="0" u="none" strike="noStrike" baseline="0" dirty="0">
-                <a:latin typeface="Arial" panose="020B0604020202020204" pitchFamily="34" charset="0"/>
-                <a:cs typeface="Arial" panose="020B0604020202020204" pitchFamily="34" charset="0"/>
-              </a:rPr>
-              <a:t>- Slide 8</a:t>
-            </a:r>
-            <a:endParaRPr lang="en-US" sz="2000" b="1" dirty="0">
-              <a:latin typeface="Arial" panose="020B0604020202020204" pitchFamily="34" charset="0"/>
-              <a:cs typeface="Arial" panose="020B0604020202020204" pitchFamily="34" charset="0"/>
-            </a:endParaRPr>
-          </a:p>
-          <a:p>
-            <a:r>
-              <a:rPr lang="en-US" sz="2000" b="1" dirty="0">
-                <a:latin typeface="Arial" panose="020B0604020202020204" pitchFamily="34" charset="0"/>
-                <a:cs typeface="Arial" panose="020B0604020202020204" pitchFamily="34" charset="0"/>
-              </a:rPr>
-              <a:t>7 :   </a:t>
-            </a:r>
-            <a:r>
-              <a:rPr lang="en-US" sz="2000" b="1" i="0" u="none" strike="noStrike" baseline="0" dirty="0">
-                <a:latin typeface="Arial" panose="020B0604020202020204" pitchFamily="34" charset="0"/>
-                <a:cs typeface="Arial" panose="020B0604020202020204" pitchFamily="34" charset="0"/>
-              </a:rPr>
-              <a:t>Slide 9 ET 10</a:t>
-            </a:r>
-            <a:endParaRPr lang="en-US" sz="2000" b="1" dirty="0">
-              <a:latin typeface="Arial" panose="020B0604020202020204" pitchFamily="34" charset="0"/>
-              <a:cs typeface="Arial" panose="020B0604020202020204" pitchFamily="34" charset="0"/>
-            </a:endParaRPr>
+              <a:rPr lang="en-US" sz="1800" b="0" i="0" u="none" strike="noStrike" baseline="0" dirty="0">
+                <a:latin typeface="Montserrat-Regular" panose="02000505000000020004" pitchFamily="2" charset="0"/>
+              </a:rPr>
+              <a:t> de 2020.</a:t>
+            </a:r>
           </a:p>
           <a:p>
             <a:pPr algn="l"/>
             <a:r>
-              <a:rPr lang="en-US" sz="2000" b="1" dirty="0">
-                <a:latin typeface="Arial" panose="020B0604020202020204" pitchFamily="34" charset="0"/>
-                <a:cs typeface="Arial" panose="020B0604020202020204" pitchFamily="34" charset="0"/>
-              </a:rPr>
-              <a:t>8 :   </a:t>
-            </a:r>
-            <a:r>
-              <a:rPr lang="fr-FR" sz="2000" b="1" i="0" u="none" strike="noStrike" baseline="0" dirty="0">
-                <a:latin typeface="Arial" panose="020B0604020202020204" pitchFamily="34" charset="0"/>
-                <a:cs typeface="Arial" panose="020B0604020202020204" pitchFamily="34" charset="0"/>
-              </a:rPr>
-              <a:t>Différence en pourcentage du prix au mètre carré entre un</a:t>
+              <a:rPr lang="fr-FR" sz="1800" b="0" i="0" u="none" strike="noStrike" baseline="0" dirty="0">
+                <a:latin typeface="Montserrat-Regular" panose="02000505000000020004" pitchFamily="2" charset="0"/>
+              </a:rPr>
+              <a:t>7. Liste des communes où le nombre de ventes a augmenté d’au</a:t>
             </a:r>
           </a:p>
           <a:p>
@@ -3985,50 +4017,65 @@
               <a:buNone/>
             </a:pPr>
             <a:r>
-              <a:rPr lang="fr-FR" sz="2000" b="1" i="0" u="none" strike="noStrike" baseline="0">
-                <a:latin typeface="Arial" panose="020B0604020202020204" pitchFamily="34" charset="0"/>
-                <a:cs typeface="Arial" panose="020B0604020202020204" pitchFamily="34" charset="0"/>
-              </a:rPr>
-              <a:t>          appartement </a:t>
-            </a:r>
-            <a:r>
-              <a:rPr lang="fr-FR" sz="2000" b="1" i="0" u="none" strike="noStrike" baseline="0" dirty="0">
-                <a:latin typeface="Arial" panose="020B0604020202020204" pitchFamily="34" charset="0"/>
-                <a:cs typeface="Arial" panose="020B0604020202020204" pitchFamily="34" charset="0"/>
-              </a:rPr>
-              <a:t>de 2 pièces et un appartement de 3 pièces : -11,3279 %    - Slide 11</a:t>
-            </a:r>
-            <a:endParaRPr lang="en-US" sz="2000" b="1" dirty="0">
-              <a:latin typeface="Arial" panose="020B0604020202020204" pitchFamily="34" charset="0"/>
-              <a:cs typeface="Arial" panose="020B0604020202020204" pitchFamily="34" charset="0"/>
-            </a:endParaRPr>
-          </a:p>
-          <a:p>
-            <a:r>
-              <a:rPr lang="en-US" sz="2000" b="1" dirty="0">
-                <a:latin typeface="Arial" panose="020B0604020202020204" pitchFamily="34" charset="0"/>
-                <a:cs typeface="Arial" panose="020B0604020202020204" pitchFamily="34" charset="0"/>
-              </a:rPr>
-              <a:t>9 : </a:t>
-            </a:r>
-            <a:r>
-              <a:rPr lang="en-US" sz="2000" b="1" i="0" u="none" strike="noStrike" baseline="0" dirty="0">
-                <a:latin typeface="Arial" panose="020B0604020202020204" pitchFamily="34" charset="0"/>
-                <a:cs typeface="Arial" panose="020B0604020202020204" pitchFamily="34" charset="0"/>
-              </a:rPr>
-              <a:t>Slide 12 ET 13</a:t>
-            </a:r>
-            <a:endParaRPr lang="en-US" sz="2000" b="1" dirty="0">
-              <a:latin typeface="Arial" panose="020B0604020202020204" pitchFamily="34" charset="0"/>
-              <a:cs typeface="Arial" panose="020B0604020202020204" pitchFamily="34" charset="0"/>
-            </a:endParaRPr>
+              <a:rPr lang="fr-FR" sz="1800" b="0" i="0" u="none" strike="noStrike" baseline="0" dirty="0">
+                <a:latin typeface="Montserrat-Regular" panose="02000505000000020004" pitchFamily="2" charset="0"/>
+              </a:rPr>
+              <a:t>        moins 20% entre le premier et le second trimestre de 2020</a:t>
+            </a:r>
+          </a:p>
+          <a:p>
+            <a:pPr algn="l"/>
+            <a:r>
+              <a:rPr lang="fr-FR" sz="1800" b="0" i="0" u="none" strike="noStrike" baseline="0" dirty="0">
+                <a:latin typeface="Montserrat-Regular" panose="02000505000000020004" pitchFamily="2" charset="0"/>
+              </a:rPr>
+              <a:t>8. Différence en pourcentage du prix au mètre carré entre un</a:t>
+            </a:r>
+          </a:p>
+          <a:p>
+            <a:pPr marL="0" indent="0" algn="l">
+              <a:buNone/>
+            </a:pPr>
+            <a:r>
+              <a:rPr lang="fr-FR" sz="1800" b="0" i="0" u="none" strike="noStrike" baseline="0" dirty="0">
+                <a:latin typeface="Montserrat-Regular" panose="02000505000000020004" pitchFamily="2" charset="0"/>
+              </a:rPr>
+              <a:t>        appartement de 2 pièces et un appartement de 3 pièces.</a:t>
+            </a:r>
+          </a:p>
+          <a:p>
+            <a:pPr algn="l"/>
+            <a:r>
+              <a:rPr lang="fr-FR" sz="1800" b="0" i="0" u="none" strike="noStrike" baseline="0" dirty="0">
+                <a:latin typeface="Montserrat-Regular" panose="02000505000000020004" pitchFamily="2" charset="0"/>
+              </a:rPr>
+              <a:t>9. Les moyennes de valeurs foncières pour le top 3 des communes des</a:t>
+            </a:r>
+          </a:p>
+          <a:p>
+            <a:pPr marL="0" indent="0" algn="l">
+              <a:buNone/>
+            </a:pPr>
+            <a:r>
+              <a:rPr lang="fr-FR" sz="1800" b="0" i="0" u="none" strike="noStrike" baseline="0">
+                <a:latin typeface="Montserrat-Regular" panose="02000505000000020004" pitchFamily="2" charset="0"/>
+              </a:rPr>
+              <a:t>        départements </a:t>
+            </a:r>
+            <a:r>
+              <a:rPr lang="fr-FR" sz="1800" b="0" i="0" u="none" strike="noStrike" baseline="0" dirty="0">
+                <a:latin typeface="Montserrat-Regular" panose="02000505000000020004" pitchFamily="2" charset="0"/>
+              </a:rPr>
+              <a:t>6, 13, 33, 59 et 69</a:t>
+            </a:r>
+            <a:endParaRPr lang="en-US" dirty="0"/>
           </a:p>
         </p:txBody>
       </p:sp>
     </p:spTree>
     <p:extLst>
       <p:ext uri="{BB962C8B-B14F-4D97-AF65-F5344CB8AC3E}">
-        <p14:creationId xmlns:p14="http://schemas.microsoft.com/office/powerpoint/2010/main" val="366549320"/>
+        <p14:creationId xmlns:p14="http://schemas.microsoft.com/office/powerpoint/2010/main" val="1438662246"/>
       </p:ext>
     </p:extLst>
   </p:cSld>
@@ -4055,46 +4102,283 @@
           <a:chExt cx="0" cy="0"/>
         </a:xfrm>
       </p:grpSpPr>
-      <p:pic>
-        <p:nvPicPr>
-          <p:cNvPr id="5" name="Picture 4">
-            <a:extLst>
-              <a:ext uri="{FF2B5EF4-FFF2-40B4-BE49-F238E27FC236}">
-                <a16:creationId xmlns:a16="http://schemas.microsoft.com/office/drawing/2014/main" id="{1B0CAFCD-7714-4017-90B9-06636ED42336}"/>
-              </a:ext>
-            </a:extLst>
-          </p:cNvPr>
-          <p:cNvPicPr>
-            <a:picLocks noChangeAspect="1"/>
-          </p:cNvPicPr>
-          <p:nvPr/>
-        </p:nvPicPr>
-        <p:blipFill>
-          <a:blip r:embed="rId2">
-            <a:extLst>
-              <a:ext uri="{28A0092B-C50C-407E-A947-70E740481C1C}">
-                <a14:useLocalDpi xmlns:a14="http://schemas.microsoft.com/office/drawing/2010/main" val="0"/>
-              </a:ext>
-            </a:extLst>
-          </a:blip>
-          <a:stretch>
-            <a:fillRect/>
-          </a:stretch>
-        </p:blipFill>
+      <p:sp>
+        <p:nvSpPr>
+          <p:cNvPr id="2" name="Title 1">
+            <a:extLst>
+              <a:ext uri="{FF2B5EF4-FFF2-40B4-BE49-F238E27FC236}">
+                <a16:creationId xmlns:a16="http://schemas.microsoft.com/office/drawing/2014/main" id="{1CCE6391-758D-4D0D-9CCD-4D4E19EA668D}"/>
+              </a:ext>
+            </a:extLst>
+          </p:cNvPr>
+          <p:cNvSpPr>
+            <a:spLocks noGrp="1"/>
+          </p:cNvSpPr>
+          <p:nvPr>
+            <p:ph type="title"/>
+          </p:nvPr>
+        </p:nvSpPr>
         <p:spPr>
           <a:xfrm>
-            <a:off x="81378" y="171080"/>
-            <a:ext cx="12029243" cy="6515840"/>
+            <a:off x="3622089" y="88776"/>
+            <a:ext cx="3799644" cy="1171852"/>
           </a:xfrm>
-          <a:prstGeom prst="rect">
-            <a:avLst/>
-          </a:prstGeom>
         </p:spPr>
-      </p:pic>
+        <p:txBody>
+          <a:bodyPr>
+            <a:normAutofit fontScale="90000"/>
+          </a:bodyPr>
+          <a:lstStyle/>
+          <a:p>
+            <a:r>
+              <a:rPr lang="en-US" dirty="0"/>
+              <a:t>			Reponses : </a:t>
+            </a:r>
+          </a:p>
+        </p:txBody>
+      </p:sp>
+      <p:sp>
+        <p:nvSpPr>
+          <p:cNvPr id="3" name="Content Placeholder 2">
+            <a:extLst>
+              <a:ext uri="{FF2B5EF4-FFF2-40B4-BE49-F238E27FC236}">
+                <a16:creationId xmlns:a16="http://schemas.microsoft.com/office/drawing/2014/main" id="{D1503D22-AFD3-474A-9260-A2924EA3ED31}"/>
+              </a:ext>
+            </a:extLst>
+          </p:cNvPr>
+          <p:cNvSpPr>
+            <a:spLocks noGrp="1"/>
+          </p:cNvSpPr>
+          <p:nvPr>
+            <p:ph idx="1"/>
+          </p:nvPr>
+        </p:nvSpPr>
+        <p:spPr>
+          <a:xfrm>
+            <a:off x="577049" y="1429305"/>
+            <a:ext cx="10776751" cy="5063570"/>
+          </a:xfrm>
+        </p:spPr>
+        <p:txBody>
+          <a:bodyPr>
+            <a:noAutofit/>
+          </a:bodyPr>
+          <a:lstStyle/>
+          <a:p>
+            <a:r>
+              <a:rPr lang="en-US" sz="2000" b="1" dirty="0">
+                <a:latin typeface="Arial" panose="020B0604020202020204" pitchFamily="34" charset="0"/>
+                <a:cs typeface="Arial" panose="020B0604020202020204" pitchFamily="34" charset="0"/>
+              </a:rPr>
+              <a:t>1 : </a:t>
+            </a:r>
+            <a:r>
+              <a:rPr lang="fr-FR" sz="2000" b="1" i="0" u="none" strike="noStrike" baseline="0" dirty="0">
+                <a:latin typeface="Arial" panose="020B0604020202020204" pitchFamily="34" charset="0"/>
+                <a:cs typeface="Arial" panose="020B0604020202020204" pitchFamily="34" charset="0"/>
+              </a:rPr>
+              <a:t>34151 appartements vendus au 1er semestre 2020</a:t>
+            </a:r>
+            <a:r>
+              <a:rPr lang="en-US" sz="2000" b="1" dirty="0">
+                <a:latin typeface="Arial" panose="020B0604020202020204" pitchFamily="34" charset="0"/>
+                <a:cs typeface="Arial" panose="020B0604020202020204" pitchFamily="34" charset="0"/>
+              </a:rPr>
+              <a:t> -  Slide 3</a:t>
+            </a:r>
+          </a:p>
+          <a:p>
+            <a:r>
+              <a:rPr lang="en-US" sz="2000" b="1" dirty="0">
+                <a:latin typeface="Arial" panose="020B0604020202020204" pitchFamily="34" charset="0"/>
+                <a:cs typeface="Arial" panose="020B0604020202020204" pitchFamily="34" charset="0"/>
+              </a:rPr>
+              <a:t>2 : Slide 4</a:t>
+            </a:r>
+          </a:p>
+          <a:p>
+            <a:r>
+              <a:rPr lang="en-US" sz="2000" b="1" dirty="0">
+                <a:latin typeface="Arial" panose="020B0604020202020204" pitchFamily="34" charset="0"/>
+                <a:cs typeface="Arial" panose="020B0604020202020204" pitchFamily="34" charset="0"/>
+              </a:rPr>
+              <a:t>3 : Slide 5</a:t>
+            </a:r>
+          </a:p>
+          <a:p>
+            <a:r>
+              <a:rPr lang="en-US" sz="2000" b="1" dirty="0">
+                <a:latin typeface="Arial" panose="020B0604020202020204" pitchFamily="34" charset="0"/>
+                <a:cs typeface="Arial" panose="020B0604020202020204" pitchFamily="34" charset="0"/>
+              </a:rPr>
+              <a:t>4 : </a:t>
+            </a:r>
+            <a:r>
+              <a:rPr lang="fr-FR" sz="2000" b="1" i="0" u="none" strike="noStrike" baseline="0" dirty="0">
+                <a:latin typeface="Arial" panose="020B0604020202020204" pitchFamily="34" charset="0"/>
+                <a:cs typeface="Arial" panose="020B0604020202020204" pitchFamily="34" charset="0"/>
+              </a:rPr>
+              <a:t>Prix moyen du mètre carré d’une maison en Île-de-France : 3904.07 Euros - </a:t>
+            </a:r>
+            <a:r>
+              <a:rPr lang="en-US" sz="2000" b="1" dirty="0">
+                <a:latin typeface="Arial" panose="020B0604020202020204" pitchFamily="34" charset="0"/>
+                <a:cs typeface="Arial" panose="020B0604020202020204" pitchFamily="34" charset="0"/>
+              </a:rPr>
+              <a:t>Slide 6</a:t>
+            </a:r>
+          </a:p>
+          <a:p>
+            <a:r>
+              <a:rPr lang="en-US" sz="2000" b="1" dirty="0">
+                <a:latin typeface="Arial" panose="020B0604020202020204" pitchFamily="34" charset="0"/>
+                <a:cs typeface="Arial" panose="020B0604020202020204" pitchFamily="34" charset="0"/>
+              </a:rPr>
+              <a:t>5 : Slide 7</a:t>
+            </a:r>
+          </a:p>
+          <a:p>
+            <a:pPr algn="l"/>
+            <a:r>
+              <a:rPr lang="en-US" sz="2000" b="1" dirty="0">
+                <a:latin typeface="Arial" panose="020B0604020202020204" pitchFamily="34" charset="0"/>
+                <a:cs typeface="Arial" panose="020B0604020202020204" pitchFamily="34" charset="0"/>
+              </a:rPr>
+              <a:t>6 : </a:t>
+            </a:r>
+            <a:r>
+              <a:rPr lang="fr-FR" sz="2000" b="1" i="0" u="none" strike="noStrike" baseline="0" dirty="0">
+                <a:latin typeface="Arial" panose="020B0604020202020204" pitchFamily="34" charset="0"/>
+                <a:cs typeface="Arial" panose="020B0604020202020204" pitchFamily="34" charset="0"/>
+              </a:rPr>
+              <a:t>Taux d’évolution du nombre de ventes entre le 1er et le 2</a:t>
+            </a:r>
+            <a:r>
+              <a:rPr lang="fr-FR" sz="2000" b="1" i="0" u="none" strike="noStrike" baseline="30000" dirty="0">
+                <a:latin typeface="Arial" panose="020B0604020202020204" pitchFamily="34" charset="0"/>
+                <a:cs typeface="Arial" panose="020B0604020202020204" pitchFamily="34" charset="0"/>
+              </a:rPr>
+              <a:t>nd</a:t>
+            </a:r>
+            <a:r>
+              <a:rPr lang="fr-FR" sz="2000" b="1" i="0" u="none" strike="noStrike" baseline="0" dirty="0">
+                <a:latin typeface="Arial" panose="020B0604020202020204" pitchFamily="34" charset="0"/>
+                <a:cs typeface="Arial" panose="020B0604020202020204" pitchFamily="34" charset="0"/>
+              </a:rPr>
+              <a:t> </a:t>
+            </a:r>
+            <a:r>
+              <a:rPr lang="en-US" sz="2000" b="1" i="0" u="none" strike="noStrike" baseline="0" dirty="0" err="1">
+                <a:latin typeface="Arial" panose="020B0604020202020204" pitchFamily="34" charset="0"/>
+                <a:cs typeface="Arial" panose="020B0604020202020204" pitchFamily="34" charset="0"/>
+              </a:rPr>
+              <a:t>trimestre</a:t>
+            </a:r>
+            <a:r>
+              <a:rPr lang="en-US" sz="2000" b="1" i="0" u="none" strike="noStrike" baseline="0" dirty="0">
+                <a:latin typeface="Arial" panose="020B0604020202020204" pitchFamily="34" charset="0"/>
+                <a:cs typeface="Arial" panose="020B0604020202020204" pitchFamily="34" charset="0"/>
+              </a:rPr>
+              <a:t> de 2020 : 	+3,655% </a:t>
+            </a:r>
+            <a:r>
+              <a:rPr lang="en-US" sz="2000" b="1" dirty="0">
+                <a:latin typeface="Arial" panose="020B0604020202020204" pitchFamily="34" charset="0"/>
+                <a:cs typeface="Arial" panose="020B0604020202020204" pitchFamily="34" charset="0"/>
+              </a:rPr>
+              <a:t>   </a:t>
+            </a:r>
+            <a:r>
+              <a:rPr lang="en-US" sz="2000" b="1" i="0" u="none" strike="noStrike" baseline="0" dirty="0">
+                <a:latin typeface="Arial" panose="020B0604020202020204" pitchFamily="34" charset="0"/>
+                <a:cs typeface="Arial" panose="020B0604020202020204" pitchFamily="34" charset="0"/>
+              </a:rPr>
+              <a:t>- Slide 8</a:t>
+            </a:r>
+            <a:endParaRPr lang="en-US" sz="2000" b="1" dirty="0">
+              <a:latin typeface="Arial" panose="020B0604020202020204" pitchFamily="34" charset="0"/>
+              <a:cs typeface="Arial" panose="020B0604020202020204" pitchFamily="34" charset="0"/>
+            </a:endParaRPr>
+          </a:p>
+          <a:p>
+            <a:r>
+              <a:rPr lang="en-US" sz="2000" b="1" dirty="0">
+                <a:latin typeface="Arial" panose="020B0604020202020204" pitchFamily="34" charset="0"/>
+                <a:cs typeface="Arial" panose="020B0604020202020204" pitchFamily="34" charset="0"/>
+              </a:rPr>
+              <a:t>7 :   </a:t>
+            </a:r>
+            <a:r>
+              <a:rPr lang="en-US" sz="2000" b="1" i="0" u="none" strike="noStrike" baseline="0" dirty="0">
+                <a:latin typeface="Arial" panose="020B0604020202020204" pitchFamily="34" charset="0"/>
+                <a:cs typeface="Arial" panose="020B0604020202020204" pitchFamily="34" charset="0"/>
+              </a:rPr>
+              <a:t>Slide 9 ET 10</a:t>
+            </a:r>
+            <a:endParaRPr lang="en-US" sz="2000" b="1" dirty="0">
+              <a:latin typeface="Arial" panose="020B0604020202020204" pitchFamily="34" charset="0"/>
+              <a:cs typeface="Arial" panose="020B0604020202020204" pitchFamily="34" charset="0"/>
+            </a:endParaRPr>
+          </a:p>
+          <a:p>
+            <a:pPr algn="l"/>
+            <a:r>
+              <a:rPr lang="en-US" sz="2000" b="1" dirty="0">
+                <a:latin typeface="Arial" panose="020B0604020202020204" pitchFamily="34" charset="0"/>
+                <a:cs typeface="Arial" panose="020B0604020202020204" pitchFamily="34" charset="0"/>
+              </a:rPr>
+              <a:t>8 :   </a:t>
+            </a:r>
+            <a:r>
+              <a:rPr lang="fr-FR" sz="2000" b="1" i="0" u="none" strike="noStrike" baseline="0" dirty="0">
+                <a:latin typeface="Arial" panose="020B0604020202020204" pitchFamily="34" charset="0"/>
+                <a:cs typeface="Arial" panose="020B0604020202020204" pitchFamily="34" charset="0"/>
+              </a:rPr>
+              <a:t>Différence en pourcentage du prix au mètre carré entre un</a:t>
+            </a:r>
+          </a:p>
+          <a:p>
+            <a:pPr marL="0" indent="0" algn="l">
+              <a:buNone/>
+            </a:pPr>
+            <a:r>
+              <a:rPr lang="fr-FR" sz="2000" b="1" i="0" u="none" strike="noStrike" baseline="0" dirty="0">
+                <a:latin typeface="Arial" panose="020B0604020202020204" pitchFamily="34" charset="0"/>
+                <a:cs typeface="Arial" panose="020B0604020202020204" pitchFamily="34" charset="0"/>
+              </a:rPr>
+              <a:t>          appartement de 2 pièces et un appartement de 3 pièces : -11,3279 %    - Slide 11</a:t>
+            </a:r>
+            <a:endParaRPr lang="en-US" sz="2000" b="1" dirty="0">
+              <a:latin typeface="Arial" panose="020B0604020202020204" pitchFamily="34" charset="0"/>
+              <a:cs typeface="Arial" panose="020B0604020202020204" pitchFamily="34" charset="0"/>
+            </a:endParaRPr>
+          </a:p>
+          <a:p>
+            <a:r>
+              <a:rPr lang="en-US" sz="2000" b="1" dirty="0">
+                <a:latin typeface="Arial" panose="020B0604020202020204" pitchFamily="34" charset="0"/>
+                <a:cs typeface="Arial" panose="020B0604020202020204" pitchFamily="34" charset="0"/>
+              </a:rPr>
+              <a:t>9 : </a:t>
+            </a:r>
+            <a:r>
+              <a:rPr lang="en-US" sz="2000" b="1" i="0" u="none" strike="noStrike" baseline="0" dirty="0">
+                <a:latin typeface="Arial" panose="020B0604020202020204" pitchFamily="34" charset="0"/>
+                <a:cs typeface="Arial" panose="020B0604020202020204" pitchFamily="34" charset="0"/>
+              </a:rPr>
+              <a:t>Slide 12 ET 13</a:t>
+            </a:r>
+            <a:endParaRPr lang="en-US" sz="2000" b="1" dirty="0">
+              <a:latin typeface="Arial" panose="020B0604020202020204" pitchFamily="34" charset="0"/>
+              <a:cs typeface="Arial" panose="020B0604020202020204" pitchFamily="34" charset="0"/>
+            </a:endParaRPr>
+          </a:p>
+        </p:txBody>
+      </p:sp>
     </p:spTree>
     <p:extLst>
       <p:ext uri="{BB962C8B-B14F-4D97-AF65-F5344CB8AC3E}">
-        <p14:creationId xmlns:p14="http://schemas.microsoft.com/office/powerpoint/2010/main" val="1856785849"/>
+        <p14:creationId xmlns:p14="http://schemas.microsoft.com/office/powerpoint/2010/main" val="366549320"/>
       </p:ext>
     </p:extLst>
   </p:cSld>
@@ -4123,10 +4407,10 @@
       </p:grpSpPr>
       <p:pic>
         <p:nvPicPr>
-          <p:cNvPr id="5" name="Picture 4">
-            <a:extLst>
-              <a:ext uri="{FF2B5EF4-FFF2-40B4-BE49-F238E27FC236}">
-                <a16:creationId xmlns:a16="http://schemas.microsoft.com/office/drawing/2014/main" id="{8E12E34B-0802-4186-8C80-8A44C8DA1D88}"/>
+          <p:cNvPr id="3" name="Picture 2">
+            <a:extLst>
+              <a:ext uri="{FF2B5EF4-FFF2-40B4-BE49-F238E27FC236}">
+                <a16:creationId xmlns:a16="http://schemas.microsoft.com/office/drawing/2014/main" id="{37B56F33-769B-493C-8AE9-8EC09DE7430E}"/>
               </a:ext>
             </a:extLst>
           </p:cNvPr>
@@ -4136,21 +4420,15 @@
           <p:nvPr/>
         </p:nvPicPr>
         <p:blipFill>
-          <a:blip r:embed="rId2">
-            <a:extLst>
-              <a:ext uri="{28A0092B-C50C-407E-A947-70E740481C1C}">
-                <a14:useLocalDpi xmlns:a14="http://schemas.microsoft.com/office/drawing/2010/main" val="0"/>
-              </a:ext>
-            </a:extLst>
-          </a:blip>
+          <a:blip r:embed="rId2"/>
           <a:stretch>
             <a:fillRect/>
           </a:stretch>
         </p:blipFill>
         <p:spPr>
           <a:xfrm>
-            <a:off x="121328" y="192719"/>
-            <a:ext cx="11949344" cy="6472561"/>
+            <a:off x="128612" y="115409"/>
+            <a:ext cx="11934775" cy="6464670"/>
           </a:xfrm>
           <a:prstGeom prst="rect">
             <a:avLst/>
@@ -4160,7 +4438,7 @@
     </p:spTree>
     <p:extLst>
       <p:ext uri="{BB962C8B-B14F-4D97-AF65-F5344CB8AC3E}">
-        <p14:creationId xmlns:p14="http://schemas.microsoft.com/office/powerpoint/2010/main" val="1799048296"/>
+        <p14:creationId xmlns:p14="http://schemas.microsoft.com/office/powerpoint/2010/main" val="2698586398"/>
       </p:ext>
     </p:extLst>
   </p:cSld>
@@ -4189,10 +4467,10 @@
       </p:grpSpPr>
       <p:pic>
         <p:nvPicPr>
-          <p:cNvPr id="3" name="Picture 2">
-            <a:extLst>
-              <a:ext uri="{FF2B5EF4-FFF2-40B4-BE49-F238E27FC236}">
-                <a16:creationId xmlns:a16="http://schemas.microsoft.com/office/drawing/2014/main" id="{FA56B8E1-9F1E-4BBA-B3F6-C1AC4FB76928}"/>
+          <p:cNvPr id="5" name="Picture 4">
+            <a:extLst>
+              <a:ext uri="{FF2B5EF4-FFF2-40B4-BE49-F238E27FC236}">
+                <a16:creationId xmlns:a16="http://schemas.microsoft.com/office/drawing/2014/main" id="{8E12E34B-0802-4186-8C80-8A44C8DA1D88}"/>
               </a:ext>
             </a:extLst>
           </p:cNvPr>
@@ -4215,8 +4493,8 @@
         </p:blipFill>
         <p:spPr>
           <a:xfrm>
-            <a:off x="71248" y="165593"/>
-            <a:ext cx="12049503" cy="6526814"/>
+            <a:off x="121328" y="192719"/>
+            <a:ext cx="11949344" cy="6472561"/>
           </a:xfrm>
           <a:prstGeom prst="rect">
             <a:avLst/>
@@ -4226,7 +4504,7 @@
     </p:spTree>
     <p:extLst>
       <p:ext uri="{BB962C8B-B14F-4D97-AF65-F5344CB8AC3E}">
-        <p14:creationId xmlns:p14="http://schemas.microsoft.com/office/powerpoint/2010/main" val="883173715"/>
+        <p14:creationId xmlns:p14="http://schemas.microsoft.com/office/powerpoint/2010/main" val="1799048296"/>
       </p:ext>
     </p:extLst>
   </p:cSld>
@@ -4258,7 +4536,7 @@
           <p:cNvPr id="3" name="Picture 2">
             <a:extLst>
               <a:ext uri="{FF2B5EF4-FFF2-40B4-BE49-F238E27FC236}">
-                <a16:creationId xmlns:a16="http://schemas.microsoft.com/office/drawing/2014/main" id="{244C758A-F7F5-4766-8CF4-0D18450FB65F}"/>
+                <a16:creationId xmlns:a16="http://schemas.microsoft.com/office/drawing/2014/main" id="{FA56B8E1-9F1E-4BBA-B3F6-C1AC4FB76928}"/>
               </a:ext>
             </a:extLst>
           </p:cNvPr>
@@ -4281,8 +4559,8 @@
         </p:blipFill>
         <p:spPr>
           <a:xfrm>
-            <a:off x="116889" y="190315"/>
-            <a:ext cx="11958221" cy="6477370"/>
+            <a:off x="71248" y="165593"/>
+            <a:ext cx="12049503" cy="6526814"/>
           </a:xfrm>
           <a:prstGeom prst="rect">
             <a:avLst/>
@@ -4292,7 +4570,7 @@
     </p:spTree>
     <p:extLst>
       <p:ext uri="{BB962C8B-B14F-4D97-AF65-F5344CB8AC3E}">
-        <p14:creationId xmlns:p14="http://schemas.microsoft.com/office/powerpoint/2010/main" val="2036990940"/>
+        <p14:creationId xmlns:p14="http://schemas.microsoft.com/office/powerpoint/2010/main" val="883173715"/>
       </p:ext>
     </p:extLst>
   </p:cSld>
@@ -4324,7 +4602,7 @@
           <p:cNvPr id="3" name="Picture 2">
             <a:extLst>
               <a:ext uri="{FF2B5EF4-FFF2-40B4-BE49-F238E27FC236}">
-                <a16:creationId xmlns:a16="http://schemas.microsoft.com/office/drawing/2014/main" id="{8B075B93-E355-4930-ADD1-A0A65BFE1DA1}"/>
+                <a16:creationId xmlns:a16="http://schemas.microsoft.com/office/drawing/2014/main" id="{244C758A-F7F5-4766-8CF4-0D18450FB65F}"/>
               </a:ext>
             </a:extLst>
           </p:cNvPr>
@@ -4347,8 +4625,8 @@
         </p:blipFill>
         <p:spPr>
           <a:xfrm>
-            <a:off x="94695" y="178293"/>
-            <a:ext cx="12002610" cy="6501414"/>
+            <a:off x="116889" y="190315"/>
+            <a:ext cx="11958221" cy="6477370"/>
           </a:xfrm>
           <a:prstGeom prst="rect">
             <a:avLst/>
@@ -4358,7 +4636,7 @@
     </p:spTree>
     <p:extLst>
       <p:ext uri="{BB962C8B-B14F-4D97-AF65-F5344CB8AC3E}">
-        <p14:creationId xmlns:p14="http://schemas.microsoft.com/office/powerpoint/2010/main" val="4246326479"/>
+        <p14:creationId xmlns:p14="http://schemas.microsoft.com/office/powerpoint/2010/main" val="2036990940"/>
       </p:ext>
     </p:extLst>
   </p:cSld>
@@ -4387,10 +4665,10 @@
       </p:grpSpPr>
       <p:pic>
         <p:nvPicPr>
-          <p:cNvPr id="3" name="Picture 2">
-            <a:extLst>
-              <a:ext uri="{FF2B5EF4-FFF2-40B4-BE49-F238E27FC236}">
-                <a16:creationId xmlns:a16="http://schemas.microsoft.com/office/drawing/2014/main" id="{9206DE67-AB66-49FA-A748-334447380BDD}"/>
+          <p:cNvPr id="4" name="Picture 3">
+            <a:extLst>
+              <a:ext uri="{FF2B5EF4-FFF2-40B4-BE49-F238E27FC236}">
+                <a16:creationId xmlns:a16="http://schemas.microsoft.com/office/drawing/2014/main" id="{ECD05D69-7904-4EF7-AF2C-51F8C4C15E50}"/>
               </a:ext>
             </a:extLst>
           </p:cNvPr>
@@ -4400,21 +4678,15 @@
           <p:nvPr/>
         </p:nvPicPr>
         <p:blipFill>
-          <a:blip r:embed="rId2">
-            <a:extLst>
-              <a:ext uri="{28A0092B-C50C-407E-A947-70E740481C1C}">
-                <a14:useLocalDpi xmlns:a14="http://schemas.microsoft.com/office/drawing/2010/main" val="0"/>
-              </a:ext>
-            </a:extLst>
-          </a:blip>
+          <a:blip r:embed="rId2"/>
           <a:stretch>
             <a:fillRect/>
           </a:stretch>
         </p:blipFill>
         <p:spPr>
           <a:xfrm>
-            <a:off x="81378" y="171080"/>
-            <a:ext cx="12029243" cy="6515840"/>
+            <a:off x="104028" y="88776"/>
+            <a:ext cx="11983944" cy="6491303"/>
           </a:xfrm>
           <a:prstGeom prst="rect">
             <a:avLst/>
@@ -4424,7 +4696,7 @@
     </p:spTree>
     <p:extLst>
       <p:ext uri="{BB962C8B-B14F-4D97-AF65-F5344CB8AC3E}">
-        <p14:creationId xmlns:p14="http://schemas.microsoft.com/office/powerpoint/2010/main" val="3781069300"/>
+        <p14:creationId xmlns:p14="http://schemas.microsoft.com/office/powerpoint/2010/main" val="4246326479"/>
       </p:ext>
     </p:extLst>
   </p:cSld>
@@ -4456,7 +4728,7 @@
           <p:cNvPr id="3" name="Picture 2">
             <a:extLst>
               <a:ext uri="{FF2B5EF4-FFF2-40B4-BE49-F238E27FC236}">
-                <a16:creationId xmlns:a16="http://schemas.microsoft.com/office/drawing/2014/main" id="{38675E6C-022C-4D52-8611-642A55958CE7}"/>
+                <a16:creationId xmlns:a16="http://schemas.microsoft.com/office/drawing/2014/main" id="{9206DE67-AB66-49FA-A748-334447380BDD}"/>
               </a:ext>
             </a:extLst>
           </p:cNvPr>
@@ -4479,8 +4751,8 @@
         </p:blipFill>
         <p:spPr>
           <a:xfrm>
-            <a:off x="120417" y="192226"/>
-            <a:ext cx="11951166" cy="6473548"/>
+            <a:off x="81378" y="171080"/>
+            <a:ext cx="12029243" cy="6515840"/>
           </a:xfrm>
           <a:prstGeom prst="rect">
             <a:avLst/>
@@ -4490,7 +4762,7 @@
     </p:spTree>
     <p:extLst>
       <p:ext uri="{BB962C8B-B14F-4D97-AF65-F5344CB8AC3E}">
-        <p14:creationId xmlns:p14="http://schemas.microsoft.com/office/powerpoint/2010/main" val="3578449470"/>
+        <p14:creationId xmlns:p14="http://schemas.microsoft.com/office/powerpoint/2010/main" val="3781069300"/>
       </p:ext>
     </p:extLst>
   </p:cSld>
